--- a/code/jeffng/Datakind Orange County.pptx
+++ b/code/jeffng/Datakind Orange County.pptx
@@ -5705,9 +5705,16 @@
             <p:ph idx="1"/>
           </p:nvPr>
         </p:nvSpPr>
-        <p:spPr/>
-        <p:txBody>
-          <a:bodyPr/>
+        <p:spPr>
+          <a:xfrm>
+            <a:off x="838200" y="2189409"/>
+            <a:ext cx="10515600" cy="1657378"/>
+          </a:xfrm>
+        </p:spPr>
+        <p:txBody>
+          <a:bodyPr>
+            <a:normAutofit fontScale="85000" lnSpcReduction="20000"/>
+          </a:bodyPr>
           <a:lstStyle/>
           <a:p>
             <a:r>
@@ -5738,6 +5745,105 @@
               <a:rPr lang="en-US" dirty="0"/>
               <a:t>10% increase in disability </a:t>
             </a:r>
+          </a:p>
+          <a:p>
+            <a:pPr marL="0" indent="0">
+              <a:buNone/>
+            </a:pPr>
+            <a:endParaRPr lang="en-US" dirty="0"/>
+          </a:p>
+        </p:txBody>
+      </p:sp>
+      <p:sp>
+        <p:nvSpPr>
+          <p:cNvPr id="5" name="TextBox 4">
+            <a:extLst>
+              <a:ext uri="{FF2B5EF4-FFF2-40B4-BE49-F238E27FC236}">
+                <a16:creationId xmlns:a16="http://schemas.microsoft.com/office/drawing/2014/main" id="{233645DC-1350-B043-96FC-B64BA3137AE6}"/>
+              </a:ext>
+            </a:extLst>
+          </p:cNvPr>
+          <p:cNvSpPr txBox="1"/>
+          <p:nvPr/>
+        </p:nvSpPr>
+        <p:spPr>
+          <a:xfrm>
+            <a:off x="735725" y="4130129"/>
+            <a:ext cx="11361683" cy="1877437"/>
+          </a:xfrm>
+          <a:prstGeom prst="rect">
+            <a:avLst/>
+          </a:prstGeom>
+          <a:noFill/>
+        </p:spPr>
+        <p:txBody>
+          <a:bodyPr wrap="square" rtlCol="0">
+            <a:spAutoFit/>
+          </a:bodyPr>
+          <a:lstStyle/>
+          <a:p>
+            <a:r>
+              <a:rPr lang="en-US" sz="2000" dirty="0">
+                <a:solidFill>
+                  <a:schemeClr val="tx2">
+                    <a:lumMod val="75000"/>
+                    <a:lumOff val="25000"/>
+                  </a:schemeClr>
+                </a:solidFill>
+                <a:latin typeface="+mj-lt"/>
+              </a:rPr>
+              <a:t>Conclusion</a:t>
+            </a:r>
+          </a:p>
+          <a:p>
+            <a:pPr marL="342900" indent="-342900">
+              <a:buFont typeface="Arial" panose="020B0604020202020204" pitchFamily="34" charset="0"/>
+              <a:buChar char="•"/>
+            </a:pPr>
+            <a:r>
+              <a:rPr lang="en-US" sz="2000" dirty="0">
+                <a:solidFill>
+                  <a:schemeClr val="tx2">
+                    <a:lumMod val="75000"/>
+                    <a:lumOff val="25000"/>
+                  </a:schemeClr>
+                </a:solidFill>
+                <a:latin typeface="+mj-lt"/>
+              </a:rPr>
+              <a:t>The key findings point to future challenges. Single mothers, higher fertility, and their children living with grandparents but they are not correlated with displaced housing</a:t>
+            </a:r>
+          </a:p>
+          <a:p>
+            <a:pPr marL="342900" indent="-342900">
+              <a:buFont typeface="Arial" panose="020B0604020202020204" pitchFamily="34" charset="0"/>
+              <a:buChar char="•"/>
+            </a:pPr>
+            <a:r>
+              <a:rPr lang="en-US" sz="2000" dirty="0">
+                <a:solidFill>
+                  <a:schemeClr val="tx2">
+                    <a:lumMod val="75000"/>
+                    <a:lumOff val="25000"/>
+                  </a:schemeClr>
+                </a:solidFill>
+                <a:latin typeface="+mj-lt"/>
+              </a:rPr>
+              <a:t>Displaced housing affects races unequally, and follows pattern of low income, high unemployment.</a:t>
+            </a:r>
+          </a:p>
+          <a:p>
+            <a:endParaRPr lang="en-US" dirty="0">
+              <a:solidFill>
+                <a:schemeClr val="tx2">
+                  <a:lumMod val="75000"/>
+                  <a:lumOff val="25000"/>
+                </a:schemeClr>
+              </a:solidFill>
+              <a:latin typeface="+mj-lt"/>
+            </a:endParaRPr>
+          </a:p>
+          <a:p>
+            <a:endParaRPr lang="en-US" dirty="0"/>
           </a:p>
         </p:txBody>
       </p:sp>
